--- a/PI - Seg de Software/ISO 27002.pptx
+++ b/PI - Seg de Software/ISO 27002.pptx
@@ -537,7 +537,7 @@
           <a:p>
             <a:fld id="{83284890-85D2-4D7B-8EF5-15A9C1DB8F42}" type="datetimeFigureOut">
               <a:rPr lang="en-US" dirty="0"/>
-              <a:t>9/27/2017</a:t>
+              <a:t>10/4/2017</a:t>
             </a:fld>
             <a:endParaRPr lang="en-US" dirty="0"/>
           </a:p>
@@ -712,7 +712,7 @@
           <a:p>
             <a:fld id="{87157CC2-0FC8-4686-B024-99790E0F5162}" type="datetimeFigureOut">
               <a:rPr lang="en-US" dirty="0"/>
-              <a:t>9/27/2017</a:t>
+              <a:t>10/4/2017</a:t>
             </a:fld>
             <a:endParaRPr lang="en-US" dirty="0"/>
           </a:p>
@@ -887,7 +887,7 @@
           <a:p>
             <a:fld id="{F6764DA5-CD3D-4590-A511-FCD3BC7A793E}" type="datetimeFigureOut">
               <a:rPr lang="en-US" dirty="0"/>
-              <a:t>9/27/2017</a:t>
+              <a:t>10/4/2017</a:t>
             </a:fld>
             <a:endParaRPr lang="en-US" dirty="0"/>
           </a:p>
@@ -1052,7 +1052,7 @@
           <a:p>
             <a:fld id="{82F5661D-6934-4B32-B92C-470368BF1EC6}" type="datetimeFigureOut">
               <a:rPr lang="en-US" dirty="0"/>
-              <a:t>9/27/2017</a:t>
+              <a:t>10/4/2017</a:t>
             </a:fld>
             <a:endParaRPr lang="en-US" dirty="0"/>
           </a:p>
@@ -1360,7 +1360,7 @@
           <a:p>
             <a:fld id="{C6F822A4-8DA6-4447-9B1F-C5DB58435268}" type="datetimeFigureOut">
               <a:rPr lang="en-US" dirty="0"/>
-              <a:t>9/27/2017</a:t>
+              <a:t>10/4/2017</a:t>
             </a:fld>
             <a:endParaRPr lang="en-US" dirty="0"/>
           </a:p>
@@ -1742,7 +1742,7 @@
           <a:p>
             <a:fld id="{E548D31E-DCDA-41A7-9C67-C4B11B94D21D}" type="datetimeFigureOut">
               <a:rPr lang="en-US" dirty="0"/>
-              <a:t>9/27/2017</a:t>
+              <a:t>10/4/2017</a:t>
             </a:fld>
             <a:endParaRPr lang="en-US" dirty="0"/>
           </a:p>
@@ -2171,7 +2171,7 @@
           <a:p>
             <a:fld id="{9B3762C0-B258-48F1-ADE6-176B4174CCDD}" type="datetimeFigureOut">
               <a:rPr lang="en-US" dirty="0"/>
-              <a:t>9/27/2017</a:t>
+              <a:t>10/4/2017</a:t>
             </a:fld>
             <a:endParaRPr lang="en-US" dirty="0"/>
           </a:p>
@@ -2284,7 +2284,7 @@
           <a:p>
             <a:fld id="{677919A6-33EB-49BD-A62F-1FA56B9F9712}" type="datetimeFigureOut">
               <a:rPr lang="en-US" dirty="0"/>
-              <a:t>9/27/2017</a:t>
+              <a:t>10/4/2017</a:t>
             </a:fld>
             <a:endParaRPr lang="en-US" dirty="0"/>
           </a:p>
@@ -2374,7 +2374,7 @@
           <a:p>
             <a:fld id="{CA4E7D1B-D673-4CF6-8672-009D42ABD2A0}" type="datetimeFigureOut">
               <a:rPr lang="en-US" dirty="0"/>
-              <a:t>9/27/2017</a:t>
+              <a:t>10/4/2017</a:t>
             </a:fld>
             <a:endParaRPr lang="en-US" dirty="0"/>
           </a:p>
@@ -2719,7 +2719,7 @@
           <a:p>
             <a:fld id="{DA16AA21-1863-4931-97CB-99D0A168701B}" type="datetimeFigureOut">
               <a:rPr lang="en-US" dirty="0"/>
-              <a:t>9/27/2017</a:t>
+              <a:t>10/4/2017</a:t>
             </a:fld>
             <a:endParaRPr lang="en-US" dirty="0"/>
           </a:p>
@@ -3139,7 +3139,7 @@
           <a:p>
             <a:fld id="{3772C379-9A7C-4C87-A116-CBE9F58B04C5}" type="datetimeFigureOut">
               <a:rPr lang="en-US" dirty="0"/>
-              <a:t>9/27/2017</a:t>
+              <a:t>10/4/2017</a:t>
             </a:fld>
             <a:endParaRPr lang="en-US" dirty="0"/>
           </a:p>
@@ -3415,7 +3415,7 @@
           <a:p>
             <a:fld id="{8664C608-40B1-4030-A28D-5B74BC98ADCE}" type="datetimeFigureOut">
               <a:rPr lang="en-US" dirty="0"/>
-              <a:t>9/27/2017</a:t>
+              <a:t>10/4/2017</a:t>
             </a:fld>
             <a:endParaRPr lang="en-US" dirty="0"/>
           </a:p>
@@ -5571,7 +5571,7 @@
             <a:pPr lvl="4"/>
             <a:r>
               <a:rPr lang="pt-BR" sz="2000" dirty="0"/>
-              <a:t>Um código de boas praticas para segurança da informação, não é voltada para fins de certificação, para esse fim tem a aplicação mais restrita que é a ISO 27001.</a:t>
+              <a:t>Um código de boas praticas para segurança da informação. Não é voltada para fins de certificação, para esse fim tem a aplicação mais restrita que é a ISO 27001.</a:t>
             </a:r>
             <a:endParaRPr lang="pt-BR" sz="2000" i="1" dirty="0"/>
           </a:p>
